--- a/teaching/cs513slides/lecture3-Dynamical-System-Models.pptx
+++ b/teaching/cs513slides/lecture3-Dynamical-System-Models.pptx
@@ -284,7 +284,7 @@
           <a:p>
             <a:fld id="{67A3F3DB-A97F-42A8-8666-E7552CF620C9}" type="datetimeFigureOut">
               <a:rPr lang="en-US" smtClean="0"/>
-              <a:t>9/21/2020</a:t>
+              <a:t>8/30/2021</a:t>
             </a:fld>
             <a:endParaRPr lang="en-US"/>
           </a:p>
@@ -482,7 +482,7 @@
           <a:p>
             <a:fld id="{67A3F3DB-A97F-42A8-8666-E7552CF620C9}" type="datetimeFigureOut">
               <a:rPr lang="en-US" smtClean="0"/>
-              <a:t>9/21/2020</a:t>
+              <a:t>8/30/2021</a:t>
             </a:fld>
             <a:endParaRPr lang="en-US"/>
           </a:p>
@@ -690,7 +690,7 @@
           <a:p>
             <a:fld id="{67A3F3DB-A97F-42A8-8666-E7552CF620C9}" type="datetimeFigureOut">
               <a:rPr lang="en-US" smtClean="0"/>
-              <a:t>9/21/2020</a:t>
+              <a:t>8/30/2021</a:t>
             </a:fld>
             <a:endParaRPr lang="en-US"/>
           </a:p>
@@ -1084,7 +1084,7 @@
           <p:nvPr userDrawn="1"/>
         </p:nvPicPr>
         <mc:AlternateContent xmlns:mc="http://schemas.openxmlformats.org/markup-compatibility/2006">
-          <mc:Choice xmlns:ma="http://schemas.microsoft.com/office/mac/drawingml/2008/main" xmlns:mv="urn:schemas-microsoft-com:mac:vml" xmlns="" Requires="ma">
+          <mc:Choice xmlns="" xmlns:mv="urn:schemas-microsoft-com:mac:vml" xmlns:ma="http://schemas.microsoft.com/office/mac/drawingml/2008/main" Requires="ma">
             <p:blipFill>
               <a:blip r:embed="rId3"/>
               <a:stretch>
@@ -1485,7 +1485,7 @@
           <a:p>
             <a:fld id="{67A3F3DB-A97F-42A8-8666-E7552CF620C9}" type="datetimeFigureOut">
               <a:rPr lang="en-US" smtClean="0"/>
-              <a:t>9/21/2020</a:t>
+              <a:t>8/30/2021</a:t>
             </a:fld>
             <a:endParaRPr lang="en-US"/>
           </a:p>
@@ -1760,7 +1760,7 @@
           <a:p>
             <a:fld id="{67A3F3DB-A97F-42A8-8666-E7552CF620C9}" type="datetimeFigureOut">
               <a:rPr lang="en-US" smtClean="0"/>
-              <a:t>9/21/2020</a:t>
+              <a:t>8/30/2021</a:t>
             </a:fld>
             <a:endParaRPr lang="en-US"/>
           </a:p>
@@ -2025,7 +2025,7 @@
           <a:p>
             <a:fld id="{67A3F3DB-A97F-42A8-8666-E7552CF620C9}" type="datetimeFigureOut">
               <a:rPr lang="en-US" smtClean="0"/>
-              <a:t>9/21/2020</a:t>
+              <a:t>8/30/2021</a:t>
             </a:fld>
             <a:endParaRPr lang="en-US"/>
           </a:p>
@@ -2437,7 +2437,7 @@
           <a:p>
             <a:fld id="{67A3F3DB-A97F-42A8-8666-E7552CF620C9}" type="datetimeFigureOut">
               <a:rPr lang="en-US" smtClean="0"/>
-              <a:t>9/21/2020</a:t>
+              <a:t>8/30/2021</a:t>
             </a:fld>
             <a:endParaRPr lang="en-US"/>
           </a:p>
@@ -2578,7 +2578,7 @@
           <a:p>
             <a:fld id="{67A3F3DB-A97F-42A8-8666-E7552CF620C9}" type="datetimeFigureOut">
               <a:rPr lang="en-US" smtClean="0"/>
-              <a:t>9/21/2020</a:t>
+              <a:t>8/30/2021</a:t>
             </a:fld>
             <a:endParaRPr lang="en-US"/>
           </a:p>
@@ -2691,7 +2691,7 @@
           <a:p>
             <a:fld id="{67A3F3DB-A97F-42A8-8666-E7552CF620C9}" type="datetimeFigureOut">
               <a:rPr lang="en-US" smtClean="0"/>
-              <a:t>9/21/2020</a:t>
+              <a:t>8/30/2021</a:t>
             </a:fld>
             <a:endParaRPr lang="en-US"/>
           </a:p>
@@ -3002,7 +3002,7 @@
           <a:p>
             <a:fld id="{67A3F3DB-A97F-42A8-8666-E7552CF620C9}" type="datetimeFigureOut">
               <a:rPr lang="en-US" smtClean="0"/>
-              <a:t>9/21/2020</a:t>
+              <a:t>8/30/2021</a:t>
             </a:fld>
             <a:endParaRPr lang="en-US"/>
           </a:p>
@@ -3290,7 +3290,7 @@
           <a:p>
             <a:fld id="{67A3F3DB-A97F-42A8-8666-E7552CF620C9}" type="datetimeFigureOut">
               <a:rPr lang="en-US" smtClean="0"/>
-              <a:t>9/21/2020</a:t>
+              <a:t>8/30/2021</a:t>
             </a:fld>
             <a:endParaRPr lang="en-US"/>
           </a:p>
@@ -3531,7 +3531,7 @@
           <a:p>
             <a:fld id="{67A3F3DB-A97F-42A8-8666-E7552CF620C9}" type="datetimeFigureOut">
               <a:rPr lang="en-US" smtClean="0"/>
-              <a:t>9/21/2020</a:t>
+              <a:t>8/30/2021</a:t>
             </a:fld>
             <a:endParaRPr lang="en-US"/>
           </a:p>
@@ -4015,7 +4015,7 @@
           <a:p>
             <a:r>
               <a:rPr lang="en-US" dirty="0"/>
-              <a:t>Fall 2020. CS 513.</a:t>
+              <a:t>Fall 2021. CS 513.</a:t>
             </a:r>
           </a:p>
           <a:p>
@@ -8406,8 +8406,8 @@
           <a:chExt cx="0" cy="0"/>
         </a:xfrm>
       </p:grpSpPr>
-      <mc:AlternateContent xmlns:mc="http://schemas.openxmlformats.org/markup-compatibility/2006">
-        <mc:Choice xmlns:a14="http://schemas.microsoft.com/office/drawing/2010/main" Requires="a14">
+      <mc:AlternateContent xmlns:mc="http://schemas.openxmlformats.org/markup-compatibility/2006" xmlns:a14="http://schemas.microsoft.com/office/drawing/2010/main">
+        <mc:Choice Requires="a14">
           <p:sp>
             <p:nvSpPr>
               <p:cNvPr id="2" name="Content Placeholder 1">
@@ -9139,7 +9139,7 @@
             </p:txBody>
           </p:sp>
         </mc:Choice>
-        <mc:Fallback>
+        <mc:Fallback xmlns="">
           <p:sp>
             <p:nvSpPr>
               <p:cNvPr id="2" name="Content Placeholder 1">

--- a/teaching/cs513slides/lecture3-Dynamical-System-Models.pptx
+++ b/teaching/cs513slides/lecture3-Dynamical-System-Models.pptx
@@ -284,7 +284,7 @@
           <a:p>
             <a:fld id="{67A3F3DB-A97F-42A8-8666-E7552CF620C9}" type="datetimeFigureOut">
               <a:rPr lang="en-US" smtClean="0"/>
-              <a:t>8/30/2021</a:t>
+              <a:t>8/29/2022</a:t>
             </a:fld>
             <a:endParaRPr lang="en-US"/>
           </a:p>
@@ -482,7 +482,7 @@
           <a:p>
             <a:fld id="{67A3F3DB-A97F-42A8-8666-E7552CF620C9}" type="datetimeFigureOut">
               <a:rPr lang="en-US" smtClean="0"/>
-              <a:t>8/30/2021</a:t>
+              <a:t>8/29/2022</a:t>
             </a:fld>
             <a:endParaRPr lang="en-US"/>
           </a:p>
@@ -690,7 +690,7 @@
           <a:p>
             <a:fld id="{67A3F3DB-A97F-42A8-8666-E7552CF620C9}" type="datetimeFigureOut">
               <a:rPr lang="en-US" smtClean="0"/>
-              <a:t>8/30/2021</a:t>
+              <a:t>8/29/2022</a:t>
             </a:fld>
             <a:endParaRPr lang="en-US"/>
           </a:p>
@@ -798,8 +798,8 @@
         </p:nvSpPr>
         <p:spPr>
           <a:xfrm>
-            <a:off x="166681" y="1332703"/>
-            <a:ext cx="11699087" cy="4351338"/>
+            <a:off x="166681" y="953037"/>
+            <a:ext cx="11699087" cy="4731004"/>
           </a:xfrm>
           <a:prstGeom prst="rect">
             <a:avLst/>
@@ -887,188 +887,94 @@
           </a:p>
         </p:txBody>
       </p:sp>
-      <p:grpSp>
-        <p:nvGrpSpPr>
-          <p:cNvPr id="8" name="Group 7">
+      <p:sp>
+        <p:nvSpPr>
+          <p:cNvPr id="10" name="TextBox 9">
             <a:extLst>
               <a:ext uri="{FF2B5EF4-FFF2-40B4-BE49-F238E27FC236}">
-                <a16:creationId xmlns:a16="http://schemas.microsoft.com/office/drawing/2014/main" id="{9A785756-0585-40D8-98E9-34817A498311}"/>
+                <a16:creationId xmlns:a16="http://schemas.microsoft.com/office/drawing/2014/main" id="{1FABD5F6-C7FE-4495-BA21-86E3D6DC242B}"/>
               </a:ext>
             </a:extLst>
           </p:cNvPr>
-          <p:cNvGrpSpPr/>
+          <p:cNvSpPr txBox="1"/>
           <p:nvPr userDrawn="1"/>
-        </p:nvGrpSpPr>
-        <p:grpSpPr>
+        </p:nvSpPr>
+        <p:spPr>
           <a:xfrm>
-            <a:off x="3570" y="5759682"/>
-            <a:ext cx="12192000" cy="1099678"/>
-            <a:chOff x="50006" y="5327414"/>
-            <a:chExt cx="12192000" cy="1099678"/>
+            <a:off x="9522" y="6027003"/>
+            <a:ext cx="5712958" cy="830997"/>
           </a:xfrm>
-        </p:grpSpPr>
-        <p:sp>
-          <p:nvSpPr>
-            <p:cNvPr id="9" name="Rectangle 8">
-              <a:extLst>
-                <a:ext uri="{FF2B5EF4-FFF2-40B4-BE49-F238E27FC236}">
-                  <a16:creationId xmlns:a16="http://schemas.microsoft.com/office/drawing/2014/main" id="{EA8E9BA4-0363-4A70-9E0A-B9683462DE33}"/>
-                </a:ext>
-              </a:extLst>
-            </p:cNvPr>
-            <p:cNvSpPr/>
-            <p:nvPr userDrawn="1"/>
-          </p:nvSpPr>
-          <p:spPr>
-            <a:xfrm>
-              <a:off x="50006" y="5375274"/>
-              <a:ext cx="12192000" cy="1051818"/>
-            </a:xfrm>
-            <a:prstGeom prst="rect">
-              <a:avLst/>
-            </a:prstGeom>
-            <a:solidFill>
-              <a:srgbClr val="990000"/>
-            </a:solidFill>
-            <a:ln w="9525" cap="flat" cmpd="sng" algn="ctr">
-              <a:noFill/>
-              <a:prstDash val="solid"/>
-            </a:ln>
-            <a:effectLst>
-              <a:outerShdw blurRad="40000" dist="23000" dir="5400000" rotWithShape="0">
-                <a:srgbClr val="000000">
-                  <a:alpha val="35000"/>
-                </a:srgbClr>
-              </a:outerShdw>
-            </a:effectLst>
-          </p:spPr>
-          <p:txBody>
-            <a:bodyPr rtlCol="0" anchor="ctr"/>
-            <a:lstStyle/>
-            <a:p>
-              <a:pPr marL="0" marR="0" lvl="0" indent="0" algn="ctr" defTabSz="457200" eaLnBrk="1" fontAlgn="auto" latinLnBrk="0" hangingPunct="1">
-                <a:lnSpc>
-                  <a:spcPct val="100000"/>
-                </a:lnSpc>
-                <a:spcBef>
-                  <a:spcPts val="0"/>
-                </a:spcBef>
-                <a:spcAft>
-                  <a:spcPts val="0"/>
-                </a:spcAft>
-                <a:buClrTx/>
-                <a:buSzTx/>
-                <a:buFontTx/>
-                <a:buNone/>
-                <a:tabLst/>
-                <a:defRPr/>
-              </a:pPr>
-              <a:endParaRPr kumimoji="0" lang="en-US" sz="4000" b="0" i="0" u="none" strike="noStrike" kern="0" cap="none" spc="0" normalizeH="0" baseline="0" noProof="0" dirty="0">
-                <a:ln>
-                  <a:noFill/>
-                </a:ln>
+          <a:prstGeom prst="rect">
+            <a:avLst/>
+          </a:prstGeom>
+          <a:noFill/>
+        </p:spPr>
+        <p:txBody>
+          <a:bodyPr wrap="square" rtlCol="0">
+            <a:spAutoFit/>
+          </a:bodyPr>
+          <a:lstStyle/>
+          <a:p>
+            <a:pPr defTabSz="457200"/>
+            <a:r>
+              <a:rPr lang="en-US" sz="2400" b="1" dirty="0">
                 <a:solidFill>
-                  <a:srgbClr val="FFC000"/>
+                  <a:srgbClr val="C00000"/>
                 </a:solidFill>
-                <a:effectLst/>
-                <a:uLnTx/>
-                <a:uFillTx/>
                 <a:latin typeface="Times New Roman" panose="02020603050405020304" pitchFamily="18" charset="0"/>
-                <a:ea typeface="+mn-ea"/>
                 <a:cs typeface="Times New Roman" panose="02020603050405020304" pitchFamily="18" charset="0"/>
-              </a:endParaRPr>
-            </a:p>
-          </p:txBody>
-        </p:sp>
-        <p:sp>
-          <p:nvSpPr>
-            <p:cNvPr id="10" name="TextBox 9">
-              <a:extLst>
-                <a:ext uri="{FF2B5EF4-FFF2-40B4-BE49-F238E27FC236}">
-                  <a16:creationId xmlns:a16="http://schemas.microsoft.com/office/drawing/2014/main" id="{1FABD5F6-C7FE-4495-BA21-86E3D6DC242B}"/>
-                </a:ext>
-              </a:extLst>
-            </p:cNvPr>
-            <p:cNvSpPr txBox="1"/>
-            <p:nvPr userDrawn="1"/>
-          </p:nvSpPr>
-          <p:spPr>
-            <a:xfrm>
-              <a:off x="71438" y="5327414"/>
-              <a:ext cx="5712958" cy="1077218"/>
-            </a:xfrm>
-            <a:prstGeom prst="rect">
-              <a:avLst/>
-            </a:prstGeom>
-            <a:noFill/>
-          </p:spPr>
-          <p:txBody>
-            <a:bodyPr wrap="square" rtlCol="0">
-              <a:spAutoFit/>
-            </a:bodyPr>
-            <a:lstStyle/>
-            <a:p>
-              <a:pPr defTabSz="457200"/>
-              <a:r>
-                <a:rPr lang="en-US" sz="3200" b="1" dirty="0">
-                  <a:solidFill>
-                    <a:srgbClr val="FFC000"/>
-                  </a:solidFill>
-                  <a:latin typeface="Times New Roman" panose="02020603050405020304" pitchFamily="18" charset="0"/>
-                  <a:cs typeface="Times New Roman" panose="02020603050405020304" pitchFamily="18" charset="0"/>
-                </a:rPr>
-                <a:t>USC </a:t>
-              </a:r>
-              <a:r>
-                <a:rPr lang="en-US" sz="3200" dirty="0">
-                  <a:solidFill>
-                    <a:srgbClr val="FFC000"/>
-                  </a:solidFill>
-                  <a:latin typeface="Times New Roman" panose="02020603050405020304" pitchFamily="18" charset="0"/>
-                  <a:cs typeface="Times New Roman" panose="02020603050405020304" pitchFamily="18" charset="0"/>
-                </a:rPr>
-                <a:t>Viterbi</a:t>
-              </a:r>
-            </a:p>
-            <a:p>
-              <a:pPr defTabSz="457200"/>
-              <a:r>
-                <a:rPr lang="en-US" sz="1600" dirty="0">
-                  <a:solidFill>
-                    <a:srgbClr val="FFC000"/>
-                  </a:solidFill>
-                  <a:latin typeface="Times New Roman" panose="02020603050405020304" pitchFamily="18" charset="0"/>
-                  <a:cs typeface="Times New Roman" panose="02020603050405020304" pitchFamily="18" charset="0"/>
-                </a:rPr>
-                <a:t>		School of Engineering</a:t>
-              </a:r>
-            </a:p>
-            <a:p>
-              <a:pPr defTabSz="457200"/>
-              <a:r>
-                <a:rPr lang="en-US" sz="1600" dirty="0">
-                  <a:solidFill>
-                    <a:srgbClr val="FFC000"/>
-                  </a:solidFill>
-                  <a:latin typeface="Garamond" panose="02020404030301010803" pitchFamily="18" charset="0"/>
-                  <a:cs typeface="Times New Roman" panose="02020603050405020304" pitchFamily="18" charset="0"/>
-                </a:rPr>
-                <a:t>		</a:t>
-              </a:r>
-              <a:r>
-                <a:rPr lang="en-US" sz="1600" i="1" dirty="0">
-                  <a:solidFill>
-                    <a:srgbClr val="FFC000"/>
-                  </a:solidFill>
-                  <a:latin typeface="Garamond" panose="02020404030301010803" pitchFamily="18" charset="0"/>
-                  <a:cs typeface="Times New Roman" panose="02020603050405020304" pitchFamily="18" charset="0"/>
-                </a:rPr>
-                <a:t>Department of Computer Science</a:t>
-              </a:r>
-            </a:p>
-          </p:txBody>
-        </p:sp>
-      </p:grpSp>
+              </a:rPr>
+              <a:t>USC </a:t>
+            </a:r>
+            <a:r>
+              <a:rPr lang="en-US" sz="2400" dirty="0">
+                <a:solidFill>
+                  <a:srgbClr val="C00000"/>
+                </a:solidFill>
+                <a:latin typeface="Times New Roman" panose="02020603050405020304" pitchFamily="18" charset="0"/>
+                <a:cs typeface="Times New Roman" panose="02020603050405020304" pitchFamily="18" charset="0"/>
+              </a:rPr>
+              <a:t>Viterbi</a:t>
+            </a:r>
+          </a:p>
+          <a:p>
+            <a:pPr defTabSz="457200"/>
+            <a:r>
+              <a:rPr lang="en-US" sz="1200" dirty="0">
+                <a:solidFill>
+                  <a:srgbClr val="C00000"/>
+                </a:solidFill>
+                <a:latin typeface="Times New Roman" panose="02020603050405020304" pitchFamily="18" charset="0"/>
+                <a:cs typeface="Times New Roman" panose="02020603050405020304" pitchFamily="18" charset="0"/>
+              </a:rPr>
+              <a:t>		School of Engineering</a:t>
+            </a:r>
+          </a:p>
+          <a:p>
+            <a:pPr defTabSz="457200"/>
+            <a:r>
+              <a:rPr lang="en-US" sz="1200" dirty="0">
+                <a:solidFill>
+                  <a:srgbClr val="C00000"/>
+                </a:solidFill>
+                <a:latin typeface="Garamond" panose="02020404030301010803" pitchFamily="18" charset="0"/>
+                <a:cs typeface="Times New Roman" panose="02020603050405020304" pitchFamily="18" charset="0"/>
+              </a:rPr>
+              <a:t>		</a:t>
+            </a:r>
+            <a:r>
+              <a:rPr lang="en-US" sz="1200" i="1" dirty="0">
+                <a:solidFill>
+                  <a:srgbClr val="C00000"/>
+                </a:solidFill>
+                <a:latin typeface="Garamond" panose="02020404030301010803" pitchFamily="18" charset="0"/>
+                <a:cs typeface="Times New Roman" panose="02020603050405020304" pitchFamily="18" charset="0"/>
+              </a:rPr>
+              <a:t>Department of Computer Science</a:t>
+            </a:r>
+          </a:p>
+        </p:txBody>
+      </p:sp>
       <p:pic>
         <p:nvPicPr>
           <p:cNvPr id="12" name="Picture 11" descr="Small Use Shield_GoldOnTrans.eps">
@@ -1084,7 +990,7 @@
           <p:nvPr userDrawn="1"/>
         </p:nvPicPr>
         <mc:AlternateContent xmlns:mc="http://schemas.openxmlformats.org/markup-compatibility/2006">
-          <mc:Choice xmlns="" xmlns:mv="urn:schemas-microsoft-com:mac:vml" xmlns:ma="http://schemas.microsoft.com/office/mac/drawingml/2008/main" Requires="ma">
+          <mc:Choice xmlns:ma="http://schemas.microsoft.com/office/mac/drawingml/2008/main" xmlns:mv="urn:schemas-microsoft-com:mac:vml" xmlns="" Requires="ma">
             <p:blipFill>
               <a:blip r:embed="rId3"/>
               <a:stretch>
@@ -1103,7 +1009,7 @@
         </mc:AlternateContent>
         <p:spPr>
           <a:xfrm>
-            <a:off x="11194348" y="464476"/>
+            <a:off x="11087100" y="104467"/>
             <a:ext cx="997652" cy="748239"/>
           </a:xfrm>
           <a:prstGeom prst="rect">
@@ -1111,152 +1017,6 @@
           </a:prstGeom>
         </p:spPr>
       </p:pic>
-      <p:sp>
-        <p:nvSpPr>
-          <p:cNvPr id="13" name="Rectangle 12">
-            <a:extLst>
-              <a:ext uri="{FF2B5EF4-FFF2-40B4-BE49-F238E27FC236}">
-                <a16:creationId xmlns:a16="http://schemas.microsoft.com/office/drawing/2014/main" id="{26381F13-A4A4-444E-9C5F-0C7501D9BF81}"/>
-              </a:ext>
-            </a:extLst>
-          </p:cNvPr>
-          <p:cNvSpPr/>
-          <p:nvPr userDrawn="1"/>
-        </p:nvSpPr>
-        <p:spPr>
-          <a:xfrm>
-            <a:off x="0" y="2713"/>
-            <a:ext cx="12192000" cy="302605"/>
-          </a:xfrm>
-          <a:prstGeom prst="rect">
-            <a:avLst/>
-          </a:prstGeom>
-          <a:solidFill>
-            <a:srgbClr val="990000"/>
-          </a:solidFill>
-          <a:ln w="9525" cap="flat" cmpd="sng" algn="ctr">
-            <a:noFill/>
-            <a:prstDash val="solid"/>
-          </a:ln>
-          <a:effectLst>
-            <a:outerShdw blurRad="40000" dist="23000" dir="5400000" rotWithShape="0">
-              <a:srgbClr val="000000">
-                <a:alpha val="35000"/>
-              </a:srgbClr>
-            </a:outerShdw>
-          </a:effectLst>
-        </p:spPr>
-        <p:txBody>
-          <a:bodyPr rtlCol="0" anchor="ctr"/>
-          <a:lstStyle/>
-          <a:p>
-            <a:pPr marL="0" marR="0" lvl="0" indent="0" algn="ctr" defTabSz="457200" eaLnBrk="1" fontAlgn="auto" latinLnBrk="0" hangingPunct="1">
-              <a:lnSpc>
-                <a:spcPct val="100000"/>
-              </a:lnSpc>
-              <a:spcBef>
-                <a:spcPts val="0"/>
-              </a:spcBef>
-              <a:spcAft>
-                <a:spcPts val="0"/>
-              </a:spcAft>
-              <a:buClrTx/>
-              <a:buSzTx/>
-              <a:buFontTx/>
-              <a:buNone/>
-              <a:tabLst/>
-              <a:defRPr/>
-            </a:pPr>
-            <a:endParaRPr kumimoji="0" lang="en-US" sz="4000" b="0" i="0" u="none" strike="noStrike" kern="0" cap="none" spc="0" normalizeH="0" baseline="0" noProof="0" dirty="0">
-              <a:ln>
-                <a:noFill/>
-              </a:ln>
-              <a:solidFill>
-                <a:prstClr val="white"/>
-              </a:solidFill>
-              <a:effectLst/>
-              <a:uLnTx/>
-              <a:uFillTx/>
-              <a:latin typeface="Times New Roman" panose="02020603050405020304" pitchFamily="18" charset="0"/>
-              <a:ea typeface="+mn-ea"/>
-              <a:cs typeface="Times New Roman" panose="02020603050405020304" pitchFamily="18" charset="0"/>
-            </a:endParaRPr>
-          </a:p>
-        </p:txBody>
-      </p:sp>
-      <p:sp>
-        <p:nvSpPr>
-          <p:cNvPr id="14" name="Rectangle 13">
-            <a:extLst>
-              <a:ext uri="{FF2B5EF4-FFF2-40B4-BE49-F238E27FC236}">
-                <a16:creationId xmlns:a16="http://schemas.microsoft.com/office/drawing/2014/main" id="{3477AB79-4F9F-47F3-934B-DC6AA693504D}"/>
-              </a:ext>
-            </a:extLst>
-          </p:cNvPr>
-          <p:cNvSpPr/>
-          <p:nvPr userDrawn="1"/>
-        </p:nvSpPr>
-        <p:spPr>
-          <a:xfrm flipV="1">
-            <a:off x="9522" y="294440"/>
-            <a:ext cx="12192000" cy="50800"/>
-          </a:xfrm>
-          <a:prstGeom prst="rect">
-            <a:avLst/>
-          </a:prstGeom>
-          <a:solidFill>
-            <a:srgbClr val="FFCC00"/>
-          </a:solidFill>
-          <a:ln w="9525" cap="flat" cmpd="sng" algn="ctr">
-            <a:noFill/>
-            <a:prstDash val="solid"/>
-          </a:ln>
-          <a:effectLst>
-            <a:outerShdw blurRad="40000" dist="20000" dir="5400000" rotWithShape="0">
-              <a:srgbClr val="000000">
-                <a:alpha val="38000"/>
-              </a:srgbClr>
-            </a:outerShdw>
-          </a:effectLst>
-        </p:spPr>
-        <p:txBody>
-          <a:bodyPr rtlCol="0" anchor="ctr"/>
-          <a:lstStyle/>
-          <a:p>
-            <a:pPr marL="0" marR="0" lvl="0" indent="0" algn="ctr" defTabSz="457200" eaLnBrk="1" fontAlgn="auto" latinLnBrk="0" hangingPunct="1">
-              <a:lnSpc>
-                <a:spcPct val="100000"/>
-              </a:lnSpc>
-              <a:spcBef>
-                <a:spcPts val="0"/>
-              </a:spcBef>
-              <a:spcAft>
-                <a:spcPts val="0"/>
-              </a:spcAft>
-              <a:buClrTx/>
-              <a:buSzTx/>
-              <a:buFontTx/>
-              <a:buNone/>
-              <a:tabLst/>
-              <a:defRPr/>
-            </a:pPr>
-            <a:endParaRPr kumimoji="0" lang="en-US" sz="1800" b="0" i="0" u="none" strike="noStrike" kern="0" cap="none" spc="0" normalizeH="0" baseline="0" noProof="0">
-              <a:ln>
-                <a:noFill/>
-              </a:ln>
-              <a:solidFill>
-                <a:srgbClr val="990000"/>
-              </a:solidFill>
-              <a:effectLst/>
-              <a:uLnTx/>
-              <a:uFillTx/>
-              <a:latin typeface="Calibri" panose="020F0502020204030204"/>
-              <a:ea typeface="+mn-ea"/>
-              <a:cs typeface="+mn-cs"/>
-            </a:endParaRPr>
-          </a:p>
-        </p:txBody>
-      </p:sp>
       <p:sp>
         <p:nvSpPr>
           <p:cNvPr id="17" name="Title 16">
@@ -1275,7 +1035,7 @@
         </p:nvSpPr>
         <p:spPr>
           <a:xfrm>
-            <a:off x="166680" y="430374"/>
+            <a:off x="166681" y="104467"/>
             <a:ext cx="10920419" cy="778828"/>
           </a:xfrm>
           <a:prstGeom prst="rect">
@@ -1485,7 +1245,7 @@
           <a:p>
             <a:fld id="{67A3F3DB-A97F-42A8-8666-E7552CF620C9}" type="datetimeFigureOut">
               <a:rPr lang="en-US" smtClean="0"/>
-              <a:t>8/30/2021</a:t>
+              <a:t>8/29/2022</a:t>
             </a:fld>
             <a:endParaRPr lang="en-US"/>
           </a:p>
@@ -1760,7 +1520,7 @@
           <a:p>
             <a:fld id="{67A3F3DB-A97F-42A8-8666-E7552CF620C9}" type="datetimeFigureOut">
               <a:rPr lang="en-US" smtClean="0"/>
-              <a:t>8/30/2021</a:t>
+              <a:t>8/29/2022</a:t>
             </a:fld>
             <a:endParaRPr lang="en-US"/>
           </a:p>
@@ -2025,7 +1785,7 @@
           <a:p>
             <a:fld id="{67A3F3DB-A97F-42A8-8666-E7552CF620C9}" type="datetimeFigureOut">
               <a:rPr lang="en-US" smtClean="0"/>
-              <a:t>8/30/2021</a:t>
+              <a:t>8/29/2022</a:t>
             </a:fld>
             <a:endParaRPr lang="en-US"/>
           </a:p>
@@ -2437,7 +2197,7 @@
           <a:p>
             <a:fld id="{67A3F3DB-A97F-42A8-8666-E7552CF620C9}" type="datetimeFigureOut">
               <a:rPr lang="en-US" smtClean="0"/>
-              <a:t>8/30/2021</a:t>
+              <a:t>8/29/2022</a:t>
             </a:fld>
             <a:endParaRPr lang="en-US"/>
           </a:p>
@@ -2578,7 +2338,7 @@
           <a:p>
             <a:fld id="{67A3F3DB-A97F-42A8-8666-E7552CF620C9}" type="datetimeFigureOut">
               <a:rPr lang="en-US" smtClean="0"/>
-              <a:t>8/30/2021</a:t>
+              <a:t>8/29/2022</a:t>
             </a:fld>
             <a:endParaRPr lang="en-US"/>
           </a:p>
@@ -2691,7 +2451,7 @@
           <a:p>
             <a:fld id="{67A3F3DB-A97F-42A8-8666-E7552CF620C9}" type="datetimeFigureOut">
               <a:rPr lang="en-US" smtClean="0"/>
-              <a:t>8/30/2021</a:t>
+              <a:t>8/29/2022</a:t>
             </a:fld>
             <a:endParaRPr lang="en-US"/>
           </a:p>
@@ -3002,7 +2762,7 @@
           <a:p>
             <a:fld id="{67A3F3DB-A97F-42A8-8666-E7552CF620C9}" type="datetimeFigureOut">
               <a:rPr lang="en-US" smtClean="0"/>
-              <a:t>8/30/2021</a:t>
+              <a:t>8/29/2022</a:t>
             </a:fld>
             <a:endParaRPr lang="en-US"/>
           </a:p>
@@ -3290,7 +3050,7 @@
           <a:p>
             <a:fld id="{67A3F3DB-A97F-42A8-8666-E7552CF620C9}" type="datetimeFigureOut">
               <a:rPr lang="en-US" smtClean="0"/>
-              <a:t>8/30/2021</a:t>
+              <a:t>8/29/2022</a:t>
             </a:fld>
             <a:endParaRPr lang="en-US"/>
           </a:p>
@@ -3531,7 +3291,7 @@
           <a:p>
             <a:fld id="{67A3F3DB-A97F-42A8-8666-E7552CF620C9}" type="datetimeFigureOut">
               <a:rPr lang="en-US" smtClean="0"/>
-              <a:t>8/30/2021</a:t>
+              <a:t>8/29/2022</a:t>
             </a:fld>
             <a:endParaRPr lang="en-US"/>
           </a:p>
@@ -4015,7 +3775,7 @@
           <a:p>
             <a:r>
               <a:rPr lang="en-US" dirty="0"/>
-              <a:t>Fall 2021. CS 513.</a:t>
+              <a:t>Fall 2022. CS 513.</a:t>
             </a:r>
           </a:p>
           <a:p>
@@ -8225,7 +7985,7 @@
 </file>
 
 <file path=ppt/slides/slide16.xml><?xml version="1.0" encoding="utf-8"?>
-<p:sld xmlns:a="http://schemas.openxmlformats.org/drawingml/2006/main" xmlns:r="http://schemas.openxmlformats.org/officeDocument/2006/relationships" xmlns:p="http://schemas.openxmlformats.org/presentationml/2006/main">
+<p:sld xmlns:a="http://schemas.openxmlformats.org/drawingml/2006/main" xmlns:r="http://schemas.openxmlformats.org/officeDocument/2006/relationships" xmlns:p="http://schemas.openxmlformats.org/presentationml/2006/main" show="0">
   <p:cSld>
     <p:spTree>
       <p:nvGrpSpPr>
@@ -10046,8 +9806,8 @@
           <a:chExt cx="0" cy="0"/>
         </a:xfrm>
       </p:grpSpPr>
-      <mc:AlternateContent xmlns:mc="http://schemas.openxmlformats.org/markup-compatibility/2006" xmlns:a14="http://schemas.microsoft.com/office/drawing/2010/main">
-        <mc:Choice Requires="a14">
+      <mc:AlternateContent xmlns:mc="http://schemas.openxmlformats.org/markup-compatibility/2006">
+        <mc:Choice xmlns:a14="http://schemas.microsoft.com/office/drawing/2010/main" Requires="a14">
           <p:sp>
             <p:nvSpPr>
               <p:cNvPr id="2" name="Content Placeholder 1">
@@ -10067,7 +9827,7 @@
             <p:spPr/>
             <p:txBody>
               <a:bodyPr>
-                <a:normAutofit fontScale="92500" lnSpcReduction="10000"/>
+                <a:normAutofit lnSpcReduction="10000"/>
               </a:bodyPr>
               <a:lstStyle/>
               <a:p>
@@ -10780,7 +10540,7 @@
             </p:txBody>
           </p:sp>
         </mc:Choice>
-        <mc:Fallback xmlns="">
+        <mc:Fallback>
           <p:sp>
             <p:nvSpPr>
               <p:cNvPr id="2" name="Content Placeholder 1">
@@ -10801,7 +10561,7 @@
               <a:blipFill>
                 <a:blip r:embed="rId2"/>
                 <a:stretch>
-                  <a:fillRect l="-521" t="-2945"/>
+                  <a:fillRect l="-625" t="-2835"/>
                 </a:stretch>
               </a:blipFill>
             </p:spPr>

--- a/teaching/cs513slides/lecture3-Dynamical-System-Models.pptx
+++ b/teaching/cs513slides/lecture3-Dynamical-System-Models.pptx
@@ -284,7 +284,7 @@
           <a:p>
             <a:fld id="{67A3F3DB-A97F-42A8-8666-E7552CF620C9}" type="datetimeFigureOut">
               <a:rPr lang="en-US" smtClean="0"/>
-              <a:t>8/29/2022</a:t>
+              <a:t>9/12/2022</a:t>
             </a:fld>
             <a:endParaRPr lang="en-US"/>
           </a:p>
@@ -482,7 +482,7 @@
           <a:p>
             <a:fld id="{67A3F3DB-A97F-42A8-8666-E7552CF620C9}" type="datetimeFigureOut">
               <a:rPr lang="en-US" smtClean="0"/>
-              <a:t>8/29/2022</a:t>
+              <a:t>9/12/2022</a:t>
             </a:fld>
             <a:endParaRPr lang="en-US"/>
           </a:p>
@@ -690,7 +690,7 @@
           <a:p>
             <a:fld id="{67A3F3DB-A97F-42A8-8666-E7552CF620C9}" type="datetimeFigureOut">
               <a:rPr lang="en-US" smtClean="0"/>
-              <a:t>8/29/2022</a:t>
+              <a:t>9/12/2022</a:t>
             </a:fld>
             <a:endParaRPr lang="en-US"/>
           </a:p>
@@ -990,7 +990,7 @@
           <p:nvPr userDrawn="1"/>
         </p:nvPicPr>
         <mc:AlternateContent xmlns:mc="http://schemas.openxmlformats.org/markup-compatibility/2006">
-          <mc:Choice xmlns:ma="http://schemas.microsoft.com/office/mac/drawingml/2008/main" xmlns:mv="urn:schemas-microsoft-com:mac:vml" xmlns="" Requires="ma">
+          <mc:Choice xmlns="" xmlns:mv="urn:schemas-microsoft-com:mac:vml" xmlns:ma="http://schemas.microsoft.com/office/mac/drawingml/2008/main" Requires="ma">
             <p:blipFill>
               <a:blip r:embed="rId3"/>
               <a:stretch>
@@ -1245,7 +1245,7 @@
           <a:p>
             <a:fld id="{67A3F3DB-A97F-42A8-8666-E7552CF620C9}" type="datetimeFigureOut">
               <a:rPr lang="en-US" smtClean="0"/>
-              <a:t>8/29/2022</a:t>
+              <a:t>9/12/2022</a:t>
             </a:fld>
             <a:endParaRPr lang="en-US"/>
           </a:p>
@@ -1520,7 +1520,7 @@
           <a:p>
             <a:fld id="{67A3F3DB-A97F-42A8-8666-E7552CF620C9}" type="datetimeFigureOut">
               <a:rPr lang="en-US" smtClean="0"/>
-              <a:t>8/29/2022</a:t>
+              <a:t>9/12/2022</a:t>
             </a:fld>
             <a:endParaRPr lang="en-US"/>
           </a:p>
@@ -1785,7 +1785,7 @@
           <a:p>
             <a:fld id="{67A3F3DB-A97F-42A8-8666-E7552CF620C9}" type="datetimeFigureOut">
               <a:rPr lang="en-US" smtClean="0"/>
-              <a:t>8/29/2022</a:t>
+              <a:t>9/12/2022</a:t>
             </a:fld>
             <a:endParaRPr lang="en-US"/>
           </a:p>
@@ -2197,7 +2197,7 @@
           <a:p>
             <a:fld id="{67A3F3DB-A97F-42A8-8666-E7552CF620C9}" type="datetimeFigureOut">
               <a:rPr lang="en-US" smtClean="0"/>
-              <a:t>8/29/2022</a:t>
+              <a:t>9/12/2022</a:t>
             </a:fld>
             <a:endParaRPr lang="en-US"/>
           </a:p>
@@ -2338,7 +2338,7 @@
           <a:p>
             <a:fld id="{67A3F3DB-A97F-42A8-8666-E7552CF620C9}" type="datetimeFigureOut">
               <a:rPr lang="en-US" smtClean="0"/>
-              <a:t>8/29/2022</a:t>
+              <a:t>9/12/2022</a:t>
             </a:fld>
             <a:endParaRPr lang="en-US"/>
           </a:p>
@@ -2451,7 +2451,7 @@
           <a:p>
             <a:fld id="{67A3F3DB-A97F-42A8-8666-E7552CF620C9}" type="datetimeFigureOut">
               <a:rPr lang="en-US" smtClean="0"/>
-              <a:t>8/29/2022</a:t>
+              <a:t>9/12/2022</a:t>
             </a:fld>
             <a:endParaRPr lang="en-US"/>
           </a:p>
@@ -2762,7 +2762,7 @@
           <a:p>
             <a:fld id="{67A3F3DB-A97F-42A8-8666-E7552CF620C9}" type="datetimeFigureOut">
               <a:rPr lang="en-US" smtClean="0"/>
-              <a:t>8/29/2022</a:t>
+              <a:t>9/12/2022</a:t>
             </a:fld>
             <a:endParaRPr lang="en-US"/>
           </a:p>
@@ -3050,7 +3050,7 @@
           <a:p>
             <a:fld id="{67A3F3DB-A97F-42A8-8666-E7552CF620C9}" type="datetimeFigureOut">
               <a:rPr lang="en-US" smtClean="0"/>
-              <a:t>8/29/2022</a:t>
+              <a:t>9/12/2022</a:t>
             </a:fld>
             <a:endParaRPr lang="en-US"/>
           </a:p>
@@ -3291,7 +3291,7 @@
           <a:p>
             <a:fld id="{67A3F3DB-A97F-42A8-8666-E7552CF620C9}" type="datetimeFigureOut">
               <a:rPr lang="en-US" smtClean="0"/>
-              <a:t>8/29/2022</a:t>
+              <a:t>9/12/2022</a:t>
             </a:fld>
             <a:endParaRPr lang="en-US"/>
           </a:p>
@@ -7985,7 +7985,7 @@
 </file>
 
 <file path=ppt/slides/slide16.xml><?xml version="1.0" encoding="utf-8"?>
-<p:sld xmlns:a="http://schemas.openxmlformats.org/drawingml/2006/main" xmlns:r="http://schemas.openxmlformats.org/officeDocument/2006/relationships" xmlns:p="http://schemas.openxmlformats.org/presentationml/2006/main" show="0">
+<p:sld xmlns:a="http://schemas.openxmlformats.org/drawingml/2006/main" xmlns:r="http://schemas.openxmlformats.org/officeDocument/2006/relationships" xmlns:p="http://schemas.openxmlformats.org/presentationml/2006/main">
   <p:cSld>
     <p:spTree>
       <p:nvGrpSpPr>
@@ -8017,7 +8017,12 @@
             <p:ph idx="1"/>
           </p:nvPr>
         </p:nvSpPr>
-        <p:spPr/>
+        <p:spPr>
+          <a:xfrm>
+            <a:off x="166681" y="1160834"/>
+            <a:ext cx="11699087" cy="4523206"/>
+          </a:xfrm>
+        </p:spPr>
         <p:txBody>
           <a:bodyPr/>
           <a:lstStyle/>
@@ -8030,15 +8035,7 @@
           <a:p>
             <a:r>
               <a:rPr lang="en-US" dirty="0"/>
-              <a:t>May not be even possible to check for Lipschitz conditions for what’s implemented in a </a:t>
-            </a:r>
-            <a:r>
-              <a:rPr lang="en-US" dirty="0" err="1"/>
-              <a:t>Matlab</a:t>
-            </a:r>
-            <a:r>
-              <a:rPr lang="en-US" dirty="0"/>
-              <a:t> function/Simulink model</a:t>
+              <a:t>May not be even possible to check for Lipschitz conditions for what’s implemented </a:t>
             </a:r>
           </a:p>
           <a:p>
@@ -8052,20 +8049,6 @@
             <a:r>
               <a:rPr lang="en-US" dirty="0"/>
               <a:t>ode45, ode23, ode15, etc.</a:t>
-            </a:r>
-          </a:p>
-          <a:p>
-            <a:r>
-              <a:rPr lang="en-US" dirty="0"/>
-              <a:t>We assume that any continuous component model we will use can be numerically simulated by </a:t>
-            </a:r>
-            <a:r>
-              <a:rPr lang="en-US" dirty="0" err="1"/>
-              <a:t>Matlab</a:t>
-            </a:r>
-            <a:r>
-              <a:rPr lang="en-US" dirty="0"/>
-              <a:t>/Simulink</a:t>
             </a:r>
           </a:p>
         </p:txBody>
@@ -8093,15 +8076,7 @@
           <a:p>
             <a:r>
               <a:rPr lang="en-US" dirty="0"/>
-              <a:t>What do </a:t>
-            </a:r>
-            <a:r>
-              <a:rPr lang="en-US" dirty="0" err="1"/>
-              <a:t>Matlab</a:t>
-            </a:r>
-            <a:r>
-              <a:rPr lang="en-US" dirty="0"/>
-              <a:t>/Simulink do?</a:t>
+              <a:t>What do numeric solvers/simulators do?</a:t>
             </a:r>
           </a:p>
         </p:txBody>
@@ -9027,8 +9002,8 @@
           <a:chExt cx="0" cy="0"/>
         </a:xfrm>
       </p:grpSpPr>
-      <mc:AlternateContent xmlns:mc="http://schemas.openxmlformats.org/markup-compatibility/2006" xmlns:a14="http://schemas.microsoft.com/office/drawing/2010/main">
-        <mc:Choice Requires="a14">
+      <mc:AlternateContent xmlns:mc="http://schemas.openxmlformats.org/markup-compatibility/2006">
+        <mc:Choice xmlns:a14="http://schemas.microsoft.com/office/drawing/2010/main" Requires="a14">
           <p:sp>
             <p:nvSpPr>
               <p:cNvPr id="2" name="Content Placeholder 1">
@@ -9054,15 +9029,151 @@
               <a:p>
                 <a:r>
                   <a:rPr lang="en-US" dirty="0"/>
-                  <a:t>Linear components model linear systems</a:t>
-                </a:r>
+                  <a:t>Special kind of dynamical system</a:t>
+                </a:r>
+                <a:endParaRPr lang="en-US" b="0" i="1" dirty="0">
+                  <a:latin typeface="Cambria Math" panose="02040503050406030204" pitchFamily="18" charset="0"/>
+                </a:endParaRPr>
+              </a:p>
+              <a:p>
+                <a:pPr marL="411480" lvl="1" indent="0">
+                  <a:buNone/>
+                </a:pPr>
+                <a14:m>
+                  <m:oMathPara xmlns:m="http://schemas.openxmlformats.org/officeDocument/2006/math">
+                    <m:oMathParaPr>
+                      <m:jc m:val="centerGroup"/>
+                    </m:oMathParaPr>
+                    <m:oMath xmlns:m="http://schemas.openxmlformats.org/officeDocument/2006/math">
+                      <m:acc>
+                        <m:accPr>
+                          <m:chr m:val="̇"/>
+                          <m:ctrlPr>
+                            <a:rPr lang="en-US" b="0" i="1" smtClean="0">
+                              <a:latin typeface="Cambria Math" panose="02040503050406030204" pitchFamily="18" charset="0"/>
+                            </a:rPr>
+                          </m:ctrlPr>
+                        </m:accPr>
+                        <m:e>
+                          <m:r>
+                            <a:rPr lang="en-US" b="1" i="0" smtClean="0">
+                              <a:latin typeface="Cambria Math" panose="02040503050406030204" pitchFamily="18" charset="0"/>
+                            </a:rPr>
+                            <m:t>𝐱</m:t>
+                          </m:r>
+                        </m:e>
+                      </m:acc>
+                      <m:r>
+                        <a:rPr lang="en-US" b="1" i="1" dirty="0" smtClean="0">
+                          <a:latin typeface="Cambria Math" panose="02040503050406030204" pitchFamily="18" charset="0"/>
+                        </a:rPr>
+                        <m:t>=</m:t>
+                      </m:r>
+                      <m:r>
+                        <a:rPr lang="en-US" b="1" i="1" dirty="0" smtClean="0">
+                          <a:latin typeface="Cambria Math" panose="02040503050406030204" pitchFamily="18" charset="0"/>
+                        </a:rPr>
+                        <m:t>𝒇</m:t>
+                      </m:r>
+                      <m:d>
+                        <m:dPr>
+                          <m:ctrlPr>
+                            <a:rPr lang="en-US" b="1" i="1" dirty="0" smtClean="0">
+                              <a:latin typeface="Cambria Math" panose="02040503050406030204" pitchFamily="18" charset="0"/>
+                            </a:rPr>
+                          </m:ctrlPr>
+                        </m:dPr>
+                        <m:e>
+                          <m:r>
+                            <a:rPr lang="en-US" b="1" i="0" dirty="0" smtClean="0">
+                              <a:latin typeface="Cambria Math" panose="02040503050406030204" pitchFamily="18" charset="0"/>
+                            </a:rPr>
+                            <m:t>𝐱</m:t>
+                          </m:r>
+                          <m:r>
+                            <a:rPr lang="en-US" b="1" i="0" dirty="0" smtClean="0">
+                              <a:latin typeface="Cambria Math" panose="02040503050406030204" pitchFamily="18" charset="0"/>
+                            </a:rPr>
+                            <m:t>,</m:t>
+                          </m:r>
+                          <m:r>
+                            <a:rPr lang="en-US" b="1" i="0" dirty="0" smtClean="0">
+                              <a:latin typeface="Cambria Math" panose="02040503050406030204" pitchFamily="18" charset="0"/>
+                            </a:rPr>
+                            <m:t>𝐮</m:t>
+                          </m:r>
+                        </m:e>
+                      </m:d>
+                    </m:oMath>
+                  </m:oMathPara>
+                </a14:m>
+                <a:endParaRPr lang="en-US" b="1" dirty="0"/>
+              </a:p>
+              <a:p>
+                <a:pPr marL="411480" lvl="1" indent="0">
+                  <a:buNone/>
+                </a:pPr>
+                <a14:m>
+                  <m:oMathPara xmlns:m="http://schemas.openxmlformats.org/officeDocument/2006/math">
+                    <m:oMathParaPr>
+                      <m:jc m:val="centerGroup"/>
+                    </m:oMathParaPr>
+                    <m:oMath xmlns:m="http://schemas.openxmlformats.org/officeDocument/2006/math">
+                      <m:r>
+                        <a:rPr lang="en-US" b="1" i="1" smtClean="0">
+                          <a:latin typeface="Cambria Math" panose="02040503050406030204" pitchFamily="18" charset="0"/>
+                        </a:rPr>
+                        <m:t>𝒚</m:t>
+                      </m:r>
+                      <m:r>
+                        <a:rPr lang="en-US" b="1" i="1" smtClean="0">
+                          <a:latin typeface="Cambria Math" panose="02040503050406030204" pitchFamily="18" charset="0"/>
+                        </a:rPr>
+                        <m:t>=</m:t>
+                      </m:r>
+                      <m:r>
+                        <a:rPr lang="en-US" b="1" i="1" smtClean="0">
+                          <a:latin typeface="Cambria Math" panose="02040503050406030204" pitchFamily="18" charset="0"/>
+                        </a:rPr>
+                        <m:t>𝒉</m:t>
+                      </m:r>
+                      <m:r>
+                        <a:rPr lang="en-US" b="1" i="1" smtClean="0">
+                          <a:latin typeface="Cambria Math" panose="02040503050406030204" pitchFamily="18" charset="0"/>
+                        </a:rPr>
+                        <m:t>(</m:t>
+                      </m:r>
+                      <m:r>
+                        <a:rPr lang="en-US" b="1" i="0" smtClean="0">
+                          <a:latin typeface="Cambria Math" panose="02040503050406030204" pitchFamily="18" charset="0"/>
+                        </a:rPr>
+                        <m:t>𝐱</m:t>
+                      </m:r>
+                      <m:r>
+                        <a:rPr lang="en-US" b="1" i="0" smtClean="0">
+                          <a:latin typeface="Cambria Math" panose="02040503050406030204" pitchFamily="18" charset="0"/>
+                        </a:rPr>
+                        <m:t>,</m:t>
+                      </m:r>
+                      <m:r>
+                        <a:rPr lang="en-US" b="1" i="0" smtClean="0">
+                          <a:latin typeface="Cambria Math" panose="02040503050406030204" pitchFamily="18" charset="0"/>
+                        </a:rPr>
+                        <m:t>𝐮</m:t>
+                      </m:r>
+                      <m:r>
+                        <a:rPr lang="en-US" b="1" i="1" smtClean="0">
+                          <a:latin typeface="Cambria Math" panose="02040503050406030204" pitchFamily="18" charset="0"/>
+                        </a:rPr>
+                        <m:t>)</m:t>
+                      </m:r>
+                    </m:oMath>
+                  </m:oMathPara>
+                </a14:m>
+                <a:endParaRPr lang="en-US" dirty="0"/>
               </a:p>
               <a:p>
                 <a:pPr lvl="1"/>
-                <a:r>
-                  <a:rPr lang="en-US" dirty="0"/>
-                  <a:t> </a:t>
-                </a:r>
                 <a14:m>
                   <m:oMath xmlns:m="http://schemas.openxmlformats.org/officeDocument/2006/math">
                     <m:r>
@@ -9678,7 +9789,7 @@
             </p:txBody>
           </p:sp>
         </mc:Choice>
-        <mc:Fallback xmlns="">
+        <mc:Fallback>
           <p:sp>
             <p:nvSpPr>
               <p:cNvPr id="2" name="Content Placeholder 1">
@@ -9699,7 +9810,7 @@
               <a:blipFill>
                 <a:blip r:embed="rId2"/>
                 <a:stretch>
-                  <a:fillRect l="-625" t="-2384" r="-834"/>
+                  <a:fillRect l="-625" t="-2062" r="-834"/>
                 </a:stretch>
               </a:blipFill>
             </p:spPr>
@@ -9741,7 +9852,7 @@
           <a:p>
             <a:r>
               <a:rPr lang="en-US" dirty="0"/>
-              <a:t>Linear Components</a:t>
+              <a:t>Linear Dynamical Systems</a:t>
             </a:r>
           </a:p>
         </p:txBody>
@@ -9806,8 +9917,8 @@
           <a:chExt cx="0" cy="0"/>
         </a:xfrm>
       </p:grpSpPr>
-      <mc:AlternateContent xmlns:mc="http://schemas.openxmlformats.org/markup-compatibility/2006">
-        <mc:Choice xmlns:a14="http://schemas.microsoft.com/office/drawing/2010/main" Requires="a14">
+      <mc:AlternateContent xmlns:mc="http://schemas.openxmlformats.org/markup-compatibility/2006" xmlns:a14="http://schemas.microsoft.com/office/drawing/2010/main">
+        <mc:Choice Requires="a14">
           <p:sp>
             <p:nvSpPr>
               <p:cNvPr id="2" name="Content Placeholder 1">
@@ -10540,7 +10651,7 @@
             </p:txBody>
           </p:sp>
         </mc:Choice>
-        <mc:Fallback>
+        <mc:Fallback xmlns="">
           <p:sp>
             <p:nvSpPr>
               <p:cNvPr id="2" name="Content Placeholder 1">
@@ -11568,7 +11679,7 @@
           <a:p>
             <a:r>
               <a:rPr lang="en-US" sz="2000" dirty="0"/>
-              <a:t>Problem: Inverted Pendulum on a moving cart is inherently unstable, aim: keep it upright</a:t>
+              <a:t>Problem: Cart-pole is inherently unstable, aim: keep it upright</a:t>
             </a:r>
           </a:p>
           <a:p>
@@ -11599,7 +11710,7 @@
         </p:nvSpPr>
         <p:spPr>
           <a:xfrm rot="9132603" flipH="1">
-            <a:off x="3573958" y="4328023"/>
+            <a:off x="3573958" y="4342478"/>
             <a:ext cx="750496" cy="739137"/>
           </a:xfrm>
           <a:prstGeom prst="arc">
@@ -11724,8 +11835,8 @@
           </a:p>
         </p:txBody>
       </p:sp>
-      <mc:AlternateContent xmlns:mc="http://schemas.openxmlformats.org/markup-compatibility/2006" xmlns:a14="http://schemas.microsoft.com/office/drawing/2010/main">
-        <mc:Choice Requires="a14">
+      <mc:AlternateContent xmlns:mc="http://schemas.openxmlformats.org/markup-compatibility/2006">
+        <mc:Choice xmlns:a14="http://schemas.microsoft.com/office/drawing/2010/main" Requires="a14">
           <p:sp>
             <p:nvSpPr>
               <p:cNvPr id="2" name="Content Placeholder 1">
@@ -11744,8 +11855,8 @@
             </p:nvSpPr>
             <p:spPr>
               <a:xfrm>
-                <a:off x="105209" y="1586276"/>
-                <a:ext cx="7817030" cy="3976964"/>
+                <a:off x="105208" y="1586276"/>
+                <a:ext cx="8205845" cy="3976964"/>
               </a:xfrm>
             </p:spPr>
             <p:txBody>
@@ -12205,7 +12316,7 @@
             </p:txBody>
           </p:sp>
         </mc:Choice>
-        <mc:Fallback xmlns="">
+        <mc:Fallback>
           <p:sp>
             <p:nvSpPr>
               <p:cNvPr id="2" name="Content Placeholder 1">
@@ -12224,13 +12335,13 @@
             </p:nvSpPr>
             <p:spPr>
               <a:xfrm>
-                <a:off x="105209" y="1586276"/>
-                <a:ext cx="7817030" cy="3976964"/>
+                <a:off x="105208" y="1586276"/>
+                <a:ext cx="8205845" cy="3976964"/>
               </a:xfrm>
               <a:blipFill>
                 <a:blip r:embed="rId2"/>
                 <a:stretch>
-                  <a:fillRect l="-935" t="-2450"/>
+                  <a:fillRect l="-892" t="-2450"/>
                 </a:stretch>
               </a:blipFill>
             </p:spPr>
@@ -15440,7 +15551,13 @@
                       <a:rPr lang="en-US" b="0" i="0" smtClean="0">
                         <a:latin typeface="Cambria Math" panose="02040503050406030204" pitchFamily="18" charset="0"/>
                       </a:rPr>
-                      <m:t>=5</m:t>
+                      <m:t>=</m:t>
+                    </m:r>
+                    <m:r>
+                      <a:rPr lang="en-US" b="0" i="0" smtClean="0">
+                        <a:latin typeface="Cambria Math" panose="02040503050406030204" pitchFamily="18" charset="0"/>
+                      </a:rPr>
+                      <m:t>5</m:t>
                     </m:r>
                   </m:oMath>
                 </a14:m>
@@ -15479,7 +15596,13 @@
                       <a:rPr lang="en-US" b="0" i="1" smtClean="0">
                         <a:latin typeface="Cambria Math" panose="02040503050406030204" pitchFamily="18" charset="0"/>
                       </a:rPr>
-                      <m:t>=20</m:t>
+                      <m:t>=</m:t>
+                    </m:r>
+                    <m:r>
+                      <a:rPr lang="en-US" b="0" i="1" smtClean="0">
+                        <a:latin typeface="Cambria Math" panose="02040503050406030204" pitchFamily="18" charset="0"/>
+                      </a:rPr>
+                      <m:t>20</m:t>
                     </m:r>
                   </m:oMath>
                 </a14:m>
@@ -21160,8 +21283,8 @@
           </a:p>
         </p:txBody>
       </p:sp>
-      <mc:AlternateContent xmlns:mc="http://schemas.openxmlformats.org/markup-compatibility/2006" xmlns:a14="http://schemas.microsoft.com/office/drawing/2010/main">
-        <mc:Choice Requires="a14">
+      <mc:AlternateContent xmlns:mc="http://schemas.openxmlformats.org/markup-compatibility/2006">
+        <mc:Choice xmlns:a14="http://schemas.microsoft.com/office/drawing/2010/main" Requires="a14">
           <p:sp>
             <p:nvSpPr>
               <p:cNvPr id="5" name="Content Placeholder 1">
@@ -21607,7 +21730,7 @@
               <a:p>
                 <a:r>
                   <a:rPr lang="en-US" dirty="0"/>
-                  <a:t>Compute solution using Simulink/</a:t>
+                  <a:t>Compute solution using </a:t>
                 </a:r>
                 <a:r>
                   <a:rPr lang="en-US" dirty="0" err="1"/>
@@ -21615,7 +21738,7 @@
                 </a:r>
                 <a:r>
                   <a:rPr lang="en-US" dirty="0"/>
-                  <a:t>/Breach</a:t>
+                  <a:t>/Python</a:t>
                 </a:r>
               </a:p>
               <a:p>
@@ -21627,7 +21750,7 @@
             </p:txBody>
           </p:sp>
         </mc:Choice>
-        <mc:Fallback xmlns="">
+        <mc:Fallback>
           <p:sp>
             <p:nvSpPr>
               <p:cNvPr id="5" name="Content Placeholder 1">

--- a/teaching/cs513slides/lecture3-Dynamical-System-Models.pptx
+++ b/teaching/cs513slides/lecture3-Dynamical-System-Models.pptx
@@ -284,7 +284,7 @@
           <a:p>
             <a:fld id="{67A3F3DB-A97F-42A8-8666-E7552CF620C9}" type="datetimeFigureOut">
               <a:rPr lang="en-US" smtClean="0"/>
-              <a:t>9/12/2022</a:t>
+              <a:t>8/27/2023</a:t>
             </a:fld>
             <a:endParaRPr lang="en-US"/>
           </a:p>
@@ -482,7 +482,7 @@
           <a:p>
             <a:fld id="{67A3F3DB-A97F-42A8-8666-E7552CF620C9}" type="datetimeFigureOut">
               <a:rPr lang="en-US" smtClean="0"/>
-              <a:t>9/12/2022</a:t>
+              <a:t>8/27/2023</a:t>
             </a:fld>
             <a:endParaRPr lang="en-US"/>
           </a:p>
@@ -690,7 +690,7 @@
           <a:p>
             <a:fld id="{67A3F3DB-A97F-42A8-8666-E7552CF620C9}" type="datetimeFigureOut">
               <a:rPr lang="en-US" smtClean="0"/>
-              <a:t>9/12/2022</a:t>
+              <a:t>8/27/2023</a:t>
             </a:fld>
             <a:endParaRPr lang="en-US"/>
           </a:p>
@@ -990,7 +990,7 @@
           <p:nvPr userDrawn="1"/>
         </p:nvPicPr>
         <mc:AlternateContent xmlns:mc="http://schemas.openxmlformats.org/markup-compatibility/2006">
-          <mc:Choice xmlns="" xmlns:mv="urn:schemas-microsoft-com:mac:vml" xmlns:ma="http://schemas.microsoft.com/office/mac/drawingml/2008/main" Requires="ma">
+          <mc:Choice xmlns:ma="http://schemas.microsoft.com/office/mac/drawingml/2008/main" xmlns:mv="urn:schemas-microsoft-com:mac:vml" xmlns="" Requires="ma">
             <p:blipFill>
               <a:blip r:embed="rId3"/>
               <a:stretch>
@@ -1245,7 +1245,7 @@
           <a:p>
             <a:fld id="{67A3F3DB-A97F-42A8-8666-E7552CF620C9}" type="datetimeFigureOut">
               <a:rPr lang="en-US" smtClean="0"/>
-              <a:t>9/12/2022</a:t>
+              <a:t>8/27/2023</a:t>
             </a:fld>
             <a:endParaRPr lang="en-US"/>
           </a:p>
@@ -1520,7 +1520,7 @@
           <a:p>
             <a:fld id="{67A3F3DB-A97F-42A8-8666-E7552CF620C9}" type="datetimeFigureOut">
               <a:rPr lang="en-US" smtClean="0"/>
-              <a:t>9/12/2022</a:t>
+              <a:t>8/27/2023</a:t>
             </a:fld>
             <a:endParaRPr lang="en-US"/>
           </a:p>
@@ -1785,7 +1785,7 @@
           <a:p>
             <a:fld id="{67A3F3DB-A97F-42A8-8666-E7552CF620C9}" type="datetimeFigureOut">
               <a:rPr lang="en-US" smtClean="0"/>
-              <a:t>9/12/2022</a:t>
+              <a:t>8/27/2023</a:t>
             </a:fld>
             <a:endParaRPr lang="en-US"/>
           </a:p>
@@ -2197,7 +2197,7 @@
           <a:p>
             <a:fld id="{67A3F3DB-A97F-42A8-8666-E7552CF620C9}" type="datetimeFigureOut">
               <a:rPr lang="en-US" smtClean="0"/>
-              <a:t>9/12/2022</a:t>
+              <a:t>8/27/2023</a:t>
             </a:fld>
             <a:endParaRPr lang="en-US"/>
           </a:p>
@@ -2338,7 +2338,7 @@
           <a:p>
             <a:fld id="{67A3F3DB-A97F-42A8-8666-E7552CF620C9}" type="datetimeFigureOut">
               <a:rPr lang="en-US" smtClean="0"/>
-              <a:t>9/12/2022</a:t>
+              <a:t>8/27/2023</a:t>
             </a:fld>
             <a:endParaRPr lang="en-US"/>
           </a:p>
@@ -2451,7 +2451,7 @@
           <a:p>
             <a:fld id="{67A3F3DB-A97F-42A8-8666-E7552CF620C9}" type="datetimeFigureOut">
               <a:rPr lang="en-US" smtClean="0"/>
-              <a:t>9/12/2022</a:t>
+              <a:t>8/27/2023</a:t>
             </a:fld>
             <a:endParaRPr lang="en-US"/>
           </a:p>
@@ -2762,7 +2762,7 @@
           <a:p>
             <a:fld id="{67A3F3DB-A97F-42A8-8666-E7552CF620C9}" type="datetimeFigureOut">
               <a:rPr lang="en-US" smtClean="0"/>
-              <a:t>9/12/2022</a:t>
+              <a:t>8/27/2023</a:t>
             </a:fld>
             <a:endParaRPr lang="en-US"/>
           </a:p>
@@ -3050,7 +3050,7 @@
           <a:p>
             <a:fld id="{67A3F3DB-A97F-42A8-8666-E7552CF620C9}" type="datetimeFigureOut">
               <a:rPr lang="en-US" smtClean="0"/>
-              <a:t>9/12/2022</a:t>
+              <a:t>8/27/2023</a:t>
             </a:fld>
             <a:endParaRPr lang="en-US"/>
           </a:p>
@@ -3291,7 +3291,7 @@
           <a:p>
             <a:fld id="{67A3F3DB-A97F-42A8-8666-E7552CF620C9}" type="datetimeFigureOut">
               <a:rPr lang="en-US" smtClean="0"/>
-              <a:t>9/12/2022</a:t>
+              <a:t>8/27/2023</a:t>
             </a:fld>
             <a:endParaRPr lang="en-US"/>
           </a:p>
@@ -3775,7 +3775,7 @@
           <a:p>
             <a:r>
               <a:rPr lang="en-US" dirty="0"/>
-              <a:t>Fall 2022. CS 513.</a:t>
+              <a:t>Fall 2023. CS 513.</a:t>
             </a:r>
           </a:p>
           <a:p>
@@ -9002,8 +9002,8 @@
           <a:chExt cx="0" cy="0"/>
         </a:xfrm>
       </p:grpSpPr>
-      <mc:AlternateContent xmlns:mc="http://schemas.openxmlformats.org/markup-compatibility/2006">
-        <mc:Choice xmlns:a14="http://schemas.microsoft.com/office/drawing/2010/main" Requires="a14">
+      <mc:AlternateContent xmlns:mc="http://schemas.openxmlformats.org/markup-compatibility/2006" xmlns:a14="http://schemas.microsoft.com/office/drawing/2010/main">
+        <mc:Choice Requires="a14">
           <p:sp>
             <p:nvSpPr>
               <p:cNvPr id="2" name="Content Placeholder 1">
@@ -9789,7 +9789,7 @@
             </p:txBody>
           </p:sp>
         </mc:Choice>
-        <mc:Fallback>
+        <mc:Fallback xmlns="">
           <p:sp>
             <p:nvSpPr>
               <p:cNvPr id="2" name="Content Placeholder 1">
@@ -11835,8 +11835,8 @@
           </a:p>
         </p:txBody>
       </p:sp>
-      <mc:AlternateContent xmlns:mc="http://schemas.openxmlformats.org/markup-compatibility/2006">
-        <mc:Choice xmlns:a14="http://schemas.microsoft.com/office/drawing/2010/main" Requires="a14">
+      <mc:AlternateContent xmlns:mc="http://schemas.openxmlformats.org/markup-compatibility/2006" xmlns:a14="http://schemas.microsoft.com/office/drawing/2010/main">
+        <mc:Choice Requires="a14">
           <p:sp>
             <p:nvSpPr>
               <p:cNvPr id="2" name="Content Placeholder 1">
@@ -12316,7 +12316,7 @@
             </p:txBody>
           </p:sp>
         </mc:Choice>
-        <mc:Fallback>
+        <mc:Fallback xmlns="">
           <p:sp>
             <p:nvSpPr>
               <p:cNvPr id="2" name="Content Placeholder 1">
@@ -15551,13 +15551,7 @@
                       <a:rPr lang="en-US" b="0" i="0" smtClean="0">
                         <a:latin typeface="Cambria Math" panose="02040503050406030204" pitchFamily="18" charset="0"/>
                       </a:rPr>
-                      <m:t>=</m:t>
-                    </m:r>
-                    <m:r>
-                      <a:rPr lang="en-US" b="0" i="0" smtClean="0">
-                        <a:latin typeface="Cambria Math" panose="02040503050406030204" pitchFamily="18" charset="0"/>
-                      </a:rPr>
-                      <m:t>5</m:t>
+                      <m:t>=5</m:t>
                     </m:r>
                   </m:oMath>
                 </a14:m>
@@ -15596,13 +15590,7 @@
                       <a:rPr lang="en-US" b="0" i="1" smtClean="0">
                         <a:latin typeface="Cambria Math" panose="02040503050406030204" pitchFamily="18" charset="0"/>
                       </a:rPr>
-                      <m:t>=</m:t>
-                    </m:r>
-                    <m:r>
-                      <a:rPr lang="en-US" b="0" i="1" smtClean="0">
-                        <a:latin typeface="Cambria Math" panose="02040503050406030204" pitchFamily="18" charset="0"/>
-                      </a:rPr>
-                      <m:t>20</m:t>
+                      <m:t>=20</m:t>
                     </m:r>
                   </m:oMath>
                 </a14:m>
@@ -21283,8 +21271,8 @@
           </a:p>
         </p:txBody>
       </p:sp>
-      <mc:AlternateContent xmlns:mc="http://schemas.openxmlformats.org/markup-compatibility/2006">
-        <mc:Choice xmlns:a14="http://schemas.microsoft.com/office/drawing/2010/main" Requires="a14">
+      <mc:AlternateContent xmlns:mc="http://schemas.openxmlformats.org/markup-compatibility/2006" xmlns:a14="http://schemas.microsoft.com/office/drawing/2010/main">
+        <mc:Choice Requires="a14">
           <p:sp>
             <p:nvSpPr>
               <p:cNvPr id="5" name="Content Placeholder 1">
@@ -21750,7 +21738,7 @@
             </p:txBody>
           </p:sp>
         </mc:Choice>
-        <mc:Fallback>
+        <mc:Fallback xmlns="">
           <p:sp>
             <p:nvSpPr>
               <p:cNvPr id="5" name="Content Placeholder 1">

--- a/teaching/cs513slides/lecture3-Dynamical-System-Models.pptx
+++ b/teaching/cs513slides/lecture3-Dynamical-System-Models.pptx
@@ -990,7 +990,7 @@
           <p:nvPr userDrawn="1"/>
         </p:nvPicPr>
         <mc:AlternateContent xmlns:mc="http://schemas.openxmlformats.org/markup-compatibility/2006">
-          <mc:Choice xmlns:ma="http://schemas.microsoft.com/office/mac/drawingml/2008/main" xmlns:mv="urn:schemas-microsoft-com:mac:vml" xmlns="" Requires="ma">
+          <mc:Choice xmlns="" xmlns:mv="urn:schemas-microsoft-com:mac:vml" xmlns:ma="http://schemas.microsoft.com/office/mac/drawingml/2008/main" Requires="ma">
             <p:blipFill>
               <a:blip r:embed="rId3"/>
               <a:stretch>
@@ -19252,8 +19252,8 @@
           <a:chExt cx="0" cy="0"/>
         </a:xfrm>
       </p:grpSpPr>
-      <mc:AlternateContent xmlns:mc="http://schemas.openxmlformats.org/markup-compatibility/2006" xmlns:a14="http://schemas.microsoft.com/office/drawing/2010/main">
-        <mc:Choice Requires="a14">
+      <mc:AlternateContent xmlns:mc="http://schemas.openxmlformats.org/markup-compatibility/2006">
+        <mc:Choice xmlns:a14="http://schemas.microsoft.com/office/drawing/2010/main" Requires="a14">
           <p:sp>
             <p:nvSpPr>
               <p:cNvPr id="2" name="Content Placeholder 1">
@@ -19296,7 +19296,7 @@
                 </a14:m>
                 <a:r>
                   <a:rPr lang="en-US" dirty="0"/>
-                  <a:t> represent a set representing time instants, i.e. </a:t>
+                  <a:t> represent a set representing time instants, i.e., </a:t>
                 </a:r>
                 <a14:m>
                   <m:oMath xmlns:m="http://schemas.openxmlformats.org/officeDocument/2006/math">
@@ -19905,7 +19905,7 @@
             </p:txBody>
           </p:sp>
         </mc:Choice>
-        <mc:Fallback xmlns="">
+        <mc:Fallback>
           <p:sp>
             <p:nvSpPr>
               <p:cNvPr id="2" name="Content Placeholder 1">

--- a/teaching/cs513slides/lecture3-Dynamical-System-Models.pptx
+++ b/teaching/cs513slides/lecture3-Dynamical-System-Models.pptx
@@ -284,7 +284,7 @@
           <a:p>
             <a:fld id="{67A3F3DB-A97F-42A8-8666-E7552CF620C9}" type="datetimeFigureOut">
               <a:rPr lang="en-US" smtClean="0"/>
-              <a:t>8/27/2023</a:t>
+              <a:t>9/11/2023</a:t>
             </a:fld>
             <a:endParaRPr lang="en-US"/>
           </a:p>
@@ -482,7 +482,7 @@
           <a:p>
             <a:fld id="{67A3F3DB-A97F-42A8-8666-E7552CF620C9}" type="datetimeFigureOut">
               <a:rPr lang="en-US" smtClean="0"/>
-              <a:t>8/27/2023</a:t>
+              <a:t>9/11/2023</a:t>
             </a:fld>
             <a:endParaRPr lang="en-US"/>
           </a:p>
@@ -690,7 +690,7 @@
           <a:p>
             <a:fld id="{67A3F3DB-A97F-42A8-8666-E7552CF620C9}" type="datetimeFigureOut">
               <a:rPr lang="en-US" smtClean="0"/>
-              <a:t>8/27/2023</a:t>
+              <a:t>9/11/2023</a:t>
             </a:fld>
             <a:endParaRPr lang="en-US"/>
           </a:p>
@@ -990,7 +990,7 @@
           <p:nvPr userDrawn="1"/>
         </p:nvPicPr>
         <mc:AlternateContent xmlns:mc="http://schemas.openxmlformats.org/markup-compatibility/2006">
-          <mc:Choice xmlns="" xmlns:mv="urn:schemas-microsoft-com:mac:vml" xmlns:ma="http://schemas.microsoft.com/office/mac/drawingml/2008/main" Requires="ma">
+          <mc:Choice xmlns:ma="http://schemas.microsoft.com/office/mac/drawingml/2008/main" xmlns:mv="urn:schemas-microsoft-com:mac:vml" xmlns="" Requires="ma">
             <p:blipFill>
               <a:blip r:embed="rId3"/>
               <a:stretch>
@@ -1245,7 +1245,7 @@
           <a:p>
             <a:fld id="{67A3F3DB-A97F-42A8-8666-E7552CF620C9}" type="datetimeFigureOut">
               <a:rPr lang="en-US" smtClean="0"/>
-              <a:t>8/27/2023</a:t>
+              <a:t>9/11/2023</a:t>
             </a:fld>
             <a:endParaRPr lang="en-US"/>
           </a:p>
@@ -1520,7 +1520,7 @@
           <a:p>
             <a:fld id="{67A3F3DB-A97F-42A8-8666-E7552CF620C9}" type="datetimeFigureOut">
               <a:rPr lang="en-US" smtClean="0"/>
-              <a:t>8/27/2023</a:t>
+              <a:t>9/11/2023</a:t>
             </a:fld>
             <a:endParaRPr lang="en-US"/>
           </a:p>
@@ -1785,7 +1785,7 @@
           <a:p>
             <a:fld id="{67A3F3DB-A97F-42A8-8666-E7552CF620C9}" type="datetimeFigureOut">
               <a:rPr lang="en-US" smtClean="0"/>
-              <a:t>8/27/2023</a:t>
+              <a:t>9/11/2023</a:t>
             </a:fld>
             <a:endParaRPr lang="en-US"/>
           </a:p>
@@ -2197,7 +2197,7 @@
           <a:p>
             <a:fld id="{67A3F3DB-A97F-42A8-8666-E7552CF620C9}" type="datetimeFigureOut">
               <a:rPr lang="en-US" smtClean="0"/>
-              <a:t>8/27/2023</a:t>
+              <a:t>9/11/2023</a:t>
             </a:fld>
             <a:endParaRPr lang="en-US"/>
           </a:p>
@@ -2338,7 +2338,7 @@
           <a:p>
             <a:fld id="{67A3F3DB-A97F-42A8-8666-E7552CF620C9}" type="datetimeFigureOut">
               <a:rPr lang="en-US" smtClean="0"/>
-              <a:t>8/27/2023</a:t>
+              <a:t>9/11/2023</a:t>
             </a:fld>
             <a:endParaRPr lang="en-US"/>
           </a:p>
@@ -2451,7 +2451,7 @@
           <a:p>
             <a:fld id="{67A3F3DB-A97F-42A8-8666-E7552CF620C9}" type="datetimeFigureOut">
               <a:rPr lang="en-US" smtClean="0"/>
-              <a:t>8/27/2023</a:t>
+              <a:t>9/11/2023</a:t>
             </a:fld>
             <a:endParaRPr lang="en-US"/>
           </a:p>
@@ -2762,7 +2762,7 @@
           <a:p>
             <a:fld id="{67A3F3DB-A97F-42A8-8666-E7552CF620C9}" type="datetimeFigureOut">
               <a:rPr lang="en-US" smtClean="0"/>
-              <a:t>8/27/2023</a:t>
+              <a:t>9/11/2023</a:t>
             </a:fld>
             <a:endParaRPr lang="en-US"/>
           </a:p>
@@ -3050,7 +3050,7 @@
           <a:p>
             <a:fld id="{67A3F3DB-A97F-42A8-8666-E7552CF620C9}" type="datetimeFigureOut">
               <a:rPr lang="en-US" smtClean="0"/>
-              <a:t>8/27/2023</a:t>
+              <a:t>9/11/2023</a:t>
             </a:fld>
             <a:endParaRPr lang="en-US"/>
           </a:p>
@@ -3291,7 +3291,7 @@
           <a:p>
             <a:fld id="{67A3F3DB-A97F-42A8-8666-E7552CF620C9}" type="datetimeFigureOut">
               <a:rPr lang="en-US" smtClean="0"/>
-              <a:t>8/27/2023</a:t>
+              <a:t>9/11/2023</a:t>
             </a:fld>
             <a:endParaRPr lang="en-US"/>
           </a:p>
@@ -7150,8 +7150,8 @@
           <a:chExt cx="0" cy="0"/>
         </a:xfrm>
       </p:grpSpPr>
-      <mc:AlternateContent xmlns:mc="http://schemas.openxmlformats.org/markup-compatibility/2006" xmlns:a14="http://schemas.microsoft.com/office/drawing/2010/main">
-        <mc:Choice Requires="a14">
+      <mc:AlternateContent xmlns:mc="http://schemas.openxmlformats.org/markup-compatibility/2006">
+        <mc:Choice xmlns:a14="http://schemas.microsoft.com/office/drawing/2010/main" Requires="a14">
           <p:sp>
             <p:nvSpPr>
               <p:cNvPr id="2" name="Content Placeholder 1">
@@ -7433,7 +7433,7 @@
                 <a:pPr lvl="1"/>
                 <a:r>
                   <a:rPr lang="en-US" sz="2400" dirty="0"/>
-                  <a:t>Linear functions (e.g. </a:t>
+                  <a:t>Linear functions (e.g., </a:t>
                 </a:r>
                 <a14:m>
                   <m:oMath xmlns:m="http://schemas.openxmlformats.org/officeDocument/2006/math">
@@ -7648,7 +7648,7 @@
             </p:txBody>
           </p:sp>
         </mc:Choice>
-        <mc:Fallback xmlns="">
+        <mc:Fallback>
           <p:sp>
             <p:nvSpPr>
               <p:cNvPr id="2" name="Content Placeholder 1">
@@ -11710,7 +11710,7 @@
         </p:nvSpPr>
         <p:spPr>
           <a:xfrm rot="9132603" flipH="1">
-            <a:off x="3573958" y="4342478"/>
+            <a:off x="3008318" y="4414434"/>
             <a:ext cx="750496" cy="739137"/>
           </a:xfrm>
           <a:prstGeom prst="arc">
@@ -19252,8 +19252,8 @@
           <a:chExt cx="0" cy="0"/>
         </a:xfrm>
       </p:grpSpPr>
-      <mc:AlternateContent xmlns:mc="http://schemas.openxmlformats.org/markup-compatibility/2006">
-        <mc:Choice xmlns:a14="http://schemas.microsoft.com/office/drawing/2010/main" Requires="a14">
+      <mc:AlternateContent xmlns:mc="http://schemas.openxmlformats.org/markup-compatibility/2006" xmlns:a14="http://schemas.microsoft.com/office/drawing/2010/main">
+        <mc:Choice Requires="a14">
           <p:sp>
             <p:nvSpPr>
               <p:cNvPr id="2" name="Content Placeholder 1">
@@ -19905,7 +19905,7 @@
             </p:txBody>
           </p:sp>
         </mc:Choice>
-        <mc:Fallback>
+        <mc:Fallback xmlns="">
           <p:sp>
             <p:nvSpPr>
               <p:cNvPr id="2" name="Content Placeholder 1">
